--- a/Presentation.pptx
+++ b/Presentation.pptx
@@ -5,16 +5,18 @@
     <p:sldMasterId id="2147483660" r:id="rId4"/>
   </p:sldMasterIdLst>
   <p:notesMasterIdLst>
-    <p:notesMasterId r:id="rId9"/>
+    <p:notesMasterId r:id="rId11"/>
   </p:notesMasterIdLst>
   <p:handoutMasterIdLst>
-    <p:handoutMasterId r:id="rId10"/>
+    <p:handoutMasterId r:id="rId12"/>
   </p:handoutMasterIdLst>
   <p:sldIdLst>
     <p:sldId id="256" r:id="rId5"/>
     <p:sldId id="271" r:id="rId6"/>
-    <p:sldId id="283" r:id="rId7"/>
-    <p:sldId id="284" r:id="rId8"/>
+    <p:sldId id="285" r:id="rId7"/>
+    <p:sldId id="283" r:id="rId8"/>
+    <p:sldId id="284" r:id="rId9"/>
+    <p:sldId id="286" r:id="rId10"/>
   </p:sldIdLst>
   <p:sldSz cx="12192000" cy="6858000"/>
   <p:notesSz cx="6858000" cy="9144000"/>
@@ -124,8 +126,10 @@
         <p14:section name="Design, Morph, Annotate, Work Together, Tell Me" id="{B9B51309-D148-4332-87C2-07BE32FBCA3B}">
           <p14:sldIdLst>
             <p14:sldId id="271"/>
+            <p14:sldId id="285"/>
             <p14:sldId id="283"/>
             <p14:sldId id="284"/>
+            <p14:sldId id="286"/>
           </p14:sldIdLst>
         </p14:section>
         <p14:section name="Learn More" id="{2CC34DB2-6590-42C0-AD4B-A04C6060184E}">
@@ -242,7 +246,7 @@
           <a:p>
             <a:fld id="{80680FBE-A8DF-4758-9AC4-3A9E1039168F}" type="datetimeFigureOut">
               <a:rPr lang="en-US" smtClean="0"/>
-              <a:t>4/7/2025</a:t>
+              <a:t>4/8/2025</a:t>
             </a:fld>
             <a:endParaRPr lang="en-US" dirty="0"/>
           </a:p>
@@ -407,7 +411,7 @@
           <a:p>
             <a:fld id="{EC13577B-6902-467D-A26C-08A0DD5E4E03}" type="datetimeFigureOut">
               <a:rPr lang="en-US" smtClean="0"/>
-              <a:t>4/7/2025</a:t>
+              <a:t>4/8/2025</a:t>
             </a:fld>
             <a:endParaRPr lang="en-US" dirty="0"/>
           </a:p>
@@ -1202,7 +1206,7 @@
             <a:fld id="{8BEEBAAA-29B5-4AF5-BC5F-7E580C29002D}" type="datetimeFigureOut">
               <a:rPr lang="en-US" smtClean="0"/>
               <a:pPr/>
-              <a:t>4/7/2025</a:t>
+              <a:t>4/8/2025</a:t>
             </a:fld>
             <a:endParaRPr lang="en-US" dirty="0"/>
           </a:p>
@@ -1828,7 +1832,7 @@
             <a:fld id="{8BEEBAAA-29B5-4AF5-BC5F-7E580C29002D}" type="datetimeFigureOut">
               <a:rPr lang="en-US" smtClean="0"/>
               <a:pPr/>
-              <a:t>4/7/2025</a:t>
+              <a:t>4/8/2025</a:t>
             </a:fld>
             <a:endParaRPr lang="en-US" dirty="0"/>
           </a:p>
@@ -2312,7 +2316,23 @@
                   <a:schemeClr val="bg1"/>
                 </a:solidFill>
               </a:rPr>
-              <a:t>Welcome</a:t>
+              <a:t>Welcome to </a:t>
+            </a:r>
+            <a:r>
+              <a:rPr lang="en-US" sz="4800" dirty="0">
+                <a:solidFill>
+                  <a:schemeClr val="bg1"/>
+                </a:solidFill>
+              </a:rPr>
+              <a:t>Test Automation for Smart Factory IT/OT Integration</a:t>
+            </a:r>
+            <a:r>
+              <a:rPr lang="en-US" sz="4800" dirty="0" smtClean="0">
+                <a:solidFill>
+                  <a:schemeClr val="bg1"/>
+                </a:solidFill>
+              </a:rPr>
+              <a:t/>
             </a:r>
             <a:br>
               <a:rPr lang="en-US" sz="4800" dirty="0" smtClean="0">
@@ -2499,7 +2519,7 @@
                 <a:latin typeface="Segoe UI Light" panose="020B0502040204020203" pitchFamily="34" charset="0"/>
                 <a:cs typeface="Segoe UI Light" panose="020B0502040204020203" pitchFamily="34" charset="0"/>
               </a:rPr>
-              <a:t>What I Tested</a:t>
+              <a:t>Background</a:t>
             </a:r>
             <a:endParaRPr lang="en-US" dirty="0">
               <a:latin typeface="Segoe UI Light" panose="020B0502040204020203" pitchFamily="34" charset="0"/>
@@ -2731,12 +2751,122 @@
               <a:buNone/>
               <a:defRPr/>
             </a:pPr>
-            <a:endParaRPr lang="en-US" sz="1400" b="1" dirty="0" smtClean="0">
+            <a:r>
+              <a:rPr lang="en-US" sz="1400" b="1" dirty="0" smtClean="0">
+                <a:latin typeface="Arial Black" panose="020B0A04020102020204" pitchFamily="34" charset="0"/>
+              </a:rPr>
+              <a:t>Given Use Case:</a:t>
+            </a:r>
+            <a:endParaRPr lang="en-US" sz="1400" b="1" dirty="0">
               <a:latin typeface="Arial Black" panose="020B0A04020102020204" pitchFamily="34" charset="0"/>
             </a:endParaRPr>
           </a:p>
           <a:p>
-            <a:pPr marL="0" lvl="0" indent="0">
+            <a:pPr lvl="0">
+              <a:spcAft>
+                <a:spcPts val="600"/>
+              </a:spcAft>
+              <a:buFont typeface="Wingdings" panose="05000000000000000000" pitchFamily="2" charset="2"/>
+              <a:buChar char="q"/>
+              <a:defRPr/>
+            </a:pPr>
+            <a:r>
+              <a:rPr lang="en-US" sz="1400" dirty="0" smtClean="0"/>
+              <a:t>  </a:t>
+            </a:r>
+            <a:r>
+              <a:rPr lang="en-US" sz="1400" dirty="0" smtClean="0">
+                <a:latin typeface="Arial" panose="020B0604020202020204" pitchFamily="34" charset="0"/>
+                <a:cs typeface="Arial" panose="020B0604020202020204" pitchFamily="34" charset="0"/>
+              </a:rPr>
+              <a:t>Create </a:t>
+            </a:r>
+            <a:r>
+              <a:rPr lang="en-US" sz="1400" dirty="0">
+                <a:latin typeface="Arial" panose="020B0604020202020204" pitchFamily="34" charset="0"/>
+                <a:cs typeface="Arial" panose="020B0604020202020204" pitchFamily="34" charset="0"/>
+              </a:rPr>
+              <a:t>a test automation suite to validate data consistency by testing both UI and API</a:t>
+            </a:r>
+            <a:r>
+              <a:rPr lang="en-US" sz="1400" dirty="0" smtClean="0"/>
+              <a:t>.</a:t>
+            </a:r>
+          </a:p>
+          <a:p>
+            <a:pPr lvl="0">
+              <a:spcAft>
+                <a:spcPts val="600"/>
+              </a:spcAft>
+              <a:buFont typeface="Wingdings" panose="05000000000000000000" pitchFamily="2" charset="2"/>
+              <a:buChar char="q"/>
+              <a:defRPr/>
+            </a:pPr>
+            <a:r>
+              <a:rPr lang="en-US" sz="1400" b="1" dirty="0" smtClean="0">
+                <a:latin typeface="Arial Black" panose="020B0A04020102020204" pitchFamily="34" charset="0"/>
+              </a:rPr>
+              <a:t>  </a:t>
+            </a:r>
+            <a:r>
+              <a:rPr lang="en-US" sz="1400" dirty="0" smtClean="0">
+                <a:latin typeface="Arial" panose="020B0604020202020204" pitchFamily="34" charset="0"/>
+                <a:cs typeface="Arial" panose="020B0604020202020204" pitchFamily="34" charset="0"/>
+              </a:rPr>
+              <a:t>Select any publicly available application and run test automation suite and analyze the result</a:t>
+            </a:r>
+          </a:p>
+          <a:p>
+            <a:pPr lvl="0">
+              <a:spcAft>
+                <a:spcPts val="600"/>
+              </a:spcAft>
+              <a:buFont typeface="Wingdings" panose="05000000000000000000" pitchFamily="2" charset="2"/>
+              <a:buChar char="q"/>
+              <a:defRPr/>
+            </a:pPr>
+            <a:r>
+              <a:rPr lang="en-US" sz="1400" dirty="0" smtClean="0">
+                <a:latin typeface="Arial" panose="020B0604020202020204" pitchFamily="34" charset="0"/>
+                <a:cs typeface="Arial" panose="020B0604020202020204" pitchFamily="34" charset="0"/>
+              </a:rPr>
+              <a:t>   Submit the documents: Approach, Test Plan , Readme file, Test Automation suite</a:t>
+            </a:r>
+            <a:endParaRPr lang="en-US" sz="1400" dirty="0" smtClean="0">
+              <a:latin typeface="Arial" panose="020B0604020202020204" pitchFamily="34" charset="0"/>
+              <a:cs typeface="Arial" panose="020B0604020202020204" pitchFamily="34" charset="0"/>
+            </a:endParaRPr>
+          </a:p>
+          <a:p>
+            <a:pPr lvl="0">
+              <a:spcAft>
+                <a:spcPts val="600"/>
+              </a:spcAft>
+              <a:buFont typeface="Wingdings" panose="05000000000000000000" pitchFamily="2" charset="2"/>
+              <a:buChar char="q"/>
+              <a:defRPr/>
+            </a:pPr>
+            <a:endParaRPr lang="en-US" sz="1400" dirty="0">
+              <a:latin typeface="Arial" panose="020B0604020202020204" pitchFamily="34" charset="0"/>
+              <a:cs typeface="Arial" panose="020B0604020202020204" pitchFamily="34" charset="0"/>
+            </a:endParaRPr>
+          </a:p>
+          <a:p>
+            <a:pPr lvl="0">
+              <a:spcAft>
+                <a:spcPts val="600"/>
+              </a:spcAft>
+              <a:buFont typeface="Wingdings" panose="05000000000000000000" pitchFamily="2" charset="2"/>
+              <a:buChar char="q"/>
+              <a:defRPr/>
+            </a:pPr>
+            <a:endParaRPr lang="en-US" sz="1400" dirty="0" smtClean="0">
+              <a:latin typeface="Arial" panose="020B0604020202020204" pitchFamily="34" charset="0"/>
+              <a:cs typeface="Arial" panose="020B0604020202020204" pitchFamily="34" charset="0"/>
+            </a:endParaRPr>
+          </a:p>
+          <a:p>
+            <a:pPr marL="0" indent="0">
               <a:spcAft>
                 <a:spcPts val="600"/>
               </a:spcAft>
@@ -2747,7 +2877,103 @@
               <a:rPr lang="en-US" sz="1400" b="1" dirty="0" smtClean="0">
                 <a:latin typeface="Arial Black" panose="020B0A04020102020204" pitchFamily="34" charset="0"/>
               </a:rPr>
-              <a:t>     I have tested Register User functionality for both positive and negative scenarios.</a:t>
+              <a:t>Implementation:</a:t>
+            </a:r>
+            <a:endParaRPr lang="en-US" sz="1400" b="1" dirty="0">
+              <a:latin typeface="Arial Black" panose="020B0A04020102020204" pitchFamily="34" charset="0"/>
+            </a:endParaRPr>
+          </a:p>
+          <a:p>
+            <a:pPr lvl="0">
+              <a:spcAft>
+                <a:spcPts val="600"/>
+              </a:spcAft>
+              <a:buFont typeface="Wingdings" panose="05000000000000000000" pitchFamily="2" charset="2"/>
+              <a:buChar char="q"/>
+              <a:defRPr/>
+            </a:pPr>
+            <a:r>
+              <a:rPr lang="en-US" sz="1400" dirty="0" smtClean="0">
+                <a:latin typeface="Arial" panose="020B0604020202020204" pitchFamily="34" charset="0"/>
+                <a:cs typeface="Arial" panose="020B0604020202020204" pitchFamily="34" charset="0"/>
+              </a:rPr>
+              <a:t>  Create Test Automation suite using Testcomplete and SoapUI tools. Integrated SoapUI with Testcomplete to run both UI and API Test</a:t>
+            </a:r>
+          </a:p>
+          <a:p>
+            <a:pPr lvl="0">
+              <a:spcAft>
+                <a:spcPts val="600"/>
+              </a:spcAft>
+              <a:buFont typeface="Wingdings" panose="05000000000000000000" pitchFamily="2" charset="2"/>
+              <a:buChar char="q"/>
+              <a:defRPr/>
+            </a:pPr>
+            <a:r>
+              <a:rPr lang="en-US" sz="1400" dirty="0">
+                <a:latin typeface="Arial" panose="020B0604020202020204" pitchFamily="34" charset="0"/>
+                <a:cs typeface="Arial" panose="020B0604020202020204" pitchFamily="34" charset="0"/>
+              </a:rPr>
+              <a:t> </a:t>
+            </a:r>
+            <a:r>
+              <a:rPr lang="en-US" sz="1400" dirty="0" smtClean="0">
+                <a:latin typeface="Arial" panose="020B0604020202020204" pitchFamily="34" charset="0"/>
+                <a:cs typeface="Arial" panose="020B0604020202020204" pitchFamily="34" charset="0"/>
+              </a:rPr>
+              <a:t> Selected one </a:t>
+            </a:r>
+            <a:r>
+              <a:rPr lang="en-US" sz="1400" dirty="0">
+                <a:latin typeface="Arial" panose="020B0604020202020204" pitchFamily="34" charset="0"/>
+                <a:cs typeface="Arial" panose="020B0604020202020204" pitchFamily="34" charset="0"/>
+              </a:rPr>
+              <a:t>publicly available </a:t>
+            </a:r>
+            <a:r>
+              <a:rPr lang="en-US" sz="1400" dirty="0" smtClean="0">
+                <a:latin typeface="Arial" panose="020B0604020202020204" pitchFamily="34" charset="0"/>
+                <a:cs typeface="Arial" panose="020B0604020202020204" pitchFamily="34" charset="0"/>
+              </a:rPr>
+              <a:t>banking application to run my test cases. </a:t>
+            </a:r>
+            <a:r>
+              <a:rPr lang="en-US" sz="1400" dirty="0">
+                <a:latin typeface="Arial" panose="020B0604020202020204" pitchFamily="34" charset="0"/>
+                <a:cs typeface="Arial" panose="020B0604020202020204" pitchFamily="34" charset="0"/>
+              </a:rPr>
+              <a:t>URL: https://parabank.parasoft.com/ </a:t>
+            </a:r>
+            <a:r>
+              <a:rPr lang="en-US" sz="1400" dirty="0" smtClean="0">
+                <a:latin typeface="Arial" panose="020B0604020202020204" pitchFamily="34" charset="0"/>
+                <a:cs typeface="Arial" panose="020B0604020202020204" pitchFamily="34" charset="0"/>
+              </a:rPr>
+              <a:t>. In this, selected one  feature i.e. ‘Register user’ to test my UI and API test case.</a:t>
+            </a:r>
+          </a:p>
+          <a:p>
+            <a:pPr lvl="0">
+              <a:spcAft>
+                <a:spcPts val="600"/>
+              </a:spcAft>
+              <a:buFont typeface="Wingdings" panose="05000000000000000000" pitchFamily="2" charset="2"/>
+              <a:buChar char="q"/>
+              <a:defRPr/>
+            </a:pPr>
+            <a:r>
+              <a:rPr lang="en-US" sz="1400" dirty="0" smtClean="0">
+                <a:latin typeface="Arial" panose="020B0604020202020204" pitchFamily="34" charset="0"/>
+                <a:cs typeface="Arial" panose="020B0604020202020204" pitchFamily="34" charset="0"/>
+              </a:rPr>
+              <a:t>Uploaded all the documents to </a:t>
+            </a:r>
+            <a:r>
+              <a:rPr lang="en-US" sz="1400" dirty="0">
+                <a:latin typeface="Arial" panose="020B0604020202020204" pitchFamily="34" charset="0"/>
+                <a:cs typeface="Arial" panose="020B0604020202020204" pitchFamily="34" charset="0"/>
+              </a:rPr>
+              <a:t>GitHub Repository : https://github.com/DayanandBhat/TestingRepo </a:t>
             </a:r>
           </a:p>
           <a:p>
@@ -2758,195 +2984,10 @@
               <a:buNone/>
               <a:defRPr/>
             </a:pPr>
-            <a:r>
-              <a:rPr lang="en-US" sz="1400" b="1" dirty="0">
-                <a:latin typeface="Arial Black" panose="020B0A04020102020204" pitchFamily="34" charset="0"/>
-              </a:rPr>
-              <a:t> </a:t>
-            </a:r>
-            <a:r>
-              <a:rPr lang="en-US" sz="1400" b="1" dirty="0" smtClean="0">
-                <a:latin typeface="Arial Black" panose="020B0A04020102020204" pitchFamily="34" charset="0"/>
-              </a:rPr>
-              <a:t>     </a:t>
-            </a:r>
-          </a:p>
-          <a:p>
-            <a:pPr marL="0" lvl="0" indent="0">
-              <a:spcAft>
-                <a:spcPts val="600"/>
-              </a:spcAft>
-              <a:buNone/>
-              <a:defRPr/>
-            </a:pPr>
-            <a:r>
-              <a:rPr lang="en-US" sz="1400" b="1" dirty="0">
-                <a:latin typeface="Arial Black" panose="020B0A04020102020204" pitchFamily="34" charset="0"/>
-              </a:rPr>
-              <a:t> </a:t>
-            </a:r>
-            <a:r>
-              <a:rPr lang="en-US" sz="1400" b="1" dirty="0" smtClean="0">
-                <a:latin typeface="Arial Black" panose="020B0A04020102020204" pitchFamily="34" charset="0"/>
-              </a:rPr>
-              <a:t>    Positive Case1: Register User using UI </a:t>
-            </a:r>
-          </a:p>
-          <a:p>
-            <a:pPr marL="0" lvl="0" indent="0">
-              <a:spcAft>
-                <a:spcPts val="600"/>
-              </a:spcAft>
-              <a:buNone/>
-              <a:defRPr/>
-            </a:pPr>
-            <a:r>
-              <a:rPr lang="en-US" sz="1400" b="1" dirty="0">
-                <a:latin typeface="Arial Black" panose="020B0A04020102020204" pitchFamily="34" charset="0"/>
-              </a:rPr>
-              <a:t> </a:t>
-            </a:r>
-            <a:r>
-              <a:rPr lang="en-US" sz="1400" b="1" dirty="0" smtClean="0">
-                <a:latin typeface="Arial Black" panose="020B0A04020102020204" pitchFamily="34" charset="0"/>
-              </a:rPr>
-              <a:t>                               Validation: Check user is registered or not through UI and API. Both the result should match</a:t>
-            </a:r>
-          </a:p>
-          <a:p>
-            <a:pPr marL="0" lvl="0" indent="0">
-              <a:spcAft>
-                <a:spcPts val="600"/>
-              </a:spcAft>
-              <a:buNone/>
-              <a:defRPr/>
-            </a:pPr>
-            <a:r>
-              <a:rPr lang="en-US" sz="1400" b="1" dirty="0">
-                <a:latin typeface="Arial Black" panose="020B0A04020102020204" pitchFamily="34" charset="0"/>
-              </a:rPr>
-              <a:t> </a:t>
-            </a:r>
-            <a:r>
-              <a:rPr lang="en-US" sz="1400" b="1" dirty="0" smtClean="0">
-                <a:latin typeface="Arial Black" panose="020B0A04020102020204" pitchFamily="34" charset="0"/>
-              </a:rPr>
-              <a:t>          </a:t>
-            </a:r>
-          </a:p>
-          <a:p>
-            <a:pPr marL="0" indent="0">
-              <a:spcAft>
-                <a:spcPts val="600"/>
-              </a:spcAft>
-              <a:buNone/>
-              <a:defRPr/>
-            </a:pPr>
-            <a:r>
-              <a:rPr lang="en-US" sz="1400" b="1" dirty="0">
-                <a:latin typeface="Arial Black" panose="020B0A04020102020204" pitchFamily="34" charset="0"/>
-              </a:rPr>
-              <a:t> </a:t>
-            </a:r>
-            <a:r>
-              <a:rPr lang="en-US" sz="1400" b="1" dirty="0" smtClean="0">
-                <a:latin typeface="Arial Black" panose="020B0A04020102020204" pitchFamily="34" charset="0"/>
-              </a:rPr>
-              <a:t>     </a:t>
-            </a:r>
-            <a:r>
-              <a:rPr lang="en-US" sz="1400" b="1" dirty="0">
-                <a:latin typeface="Arial Black" panose="020B0A04020102020204" pitchFamily="34" charset="0"/>
-              </a:rPr>
-              <a:t>Positive </a:t>
-            </a:r>
-            <a:r>
-              <a:rPr lang="en-US" sz="1400" b="1" dirty="0" smtClean="0">
-                <a:latin typeface="Arial Black" panose="020B0A04020102020204" pitchFamily="34" charset="0"/>
-              </a:rPr>
-              <a:t>Case2: </a:t>
-            </a:r>
-            <a:r>
-              <a:rPr lang="en-US" sz="1400" b="1" dirty="0">
-                <a:latin typeface="Arial Black" panose="020B0A04020102020204" pitchFamily="34" charset="0"/>
-              </a:rPr>
-              <a:t>Register User using </a:t>
-            </a:r>
-            <a:r>
-              <a:rPr lang="en-US" sz="1400" b="1" dirty="0" smtClean="0">
-                <a:latin typeface="Arial Black" panose="020B0A04020102020204" pitchFamily="34" charset="0"/>
-              </a:rPr>
-              <a:t>API</a:t>
-            </a:r>
-            <a:endParaRPr lang="en-US" sz="1400" b="1" dirty="0">
-              <a:latin typeface="Arial Black" panose="020B0A04020102020204" pitchFamily="34" charset="0"/>
+            <a:endParaRPr lang="en-US" sz="1400" dirty="0" smtClean="0">
+              <a:latin typeface="Arial" panose="020B0604020202020204" pitchFamily="34" charset="0"/>
+              <a:cs typeface="Arial" panose="020B0604020202020204" pitchFamily="34" charset="0"/>
             </a:endParaRPr>
-          </a:p>
-          <a:p>
-            <a:pPr marL="0" lvl="0" indent="0">
-              <a:spcAft>
-                <a:spcPts val="600"/>
-              </a:spcAft>
-              <a:buNone/>
-              <a:defRPr/>
-            </a:pPr>
-            <a:r>
-              <a:rPr lang="en-US" sz="1400" b="1" dirty="0" smtClean="0">
-                <a:latin typeface="Arial Black" panose="020B0A04020102020204" pitchFamily="34" charset="0"/>
-              </a:rPr>
-              <a:t>                                Validation</a:t>
-            </a:r>
-            <a:r>
-              <a:rPr lang="en-US" sz="1400" b="1" dirty="0">
-                <a:latin typeface="Arial Black" panose="020B0A04020102020204" pitchFamily="34" charset="0"/>
-              </a:rPr>
-              <a:t>: Check user is registered or not through </a:t>
-            </a:r>
-            <a:r>
-              <a:rPr lang="en-US" sz="1400" b="1" dirty="0" smtClean="0">
-                <a:latin typeface="Arial Black" panose="020B0A04020102020204" pitchFamily="34" charset="0"/>
-              </a:rPr>
-              <a:t>API and UI. </a:t>
-            </a:r>
-            <a:r>
-              <a:rPr lang="en-US" sz="1400" b="1" dirty="0">
-                <a:latin typeface="Arial Black" panose="020B0A04020102020204" pitchFamily="34" charset="0"/>
-              </a:rPr>
-              <a:t>Both the result should </a:t>
-            </a:r>
-            <a:r>
-              <a:rPr lang="en-US" sz="1400" b="1" dirty="0" smtClean="0">
-                <a:latin typeface="Arial Black" panose="020B0A04020102020204" pitchFamily="34" charset="0"/>
-              </a:rPr>
-              <a:t>match</a:t>
-            </a:r>
-          </a:p>
-          <a:p>
-            <a:pPr marL="0" lvl="0" indent="0">
-              <a:spcAft>
-                <a:spcPts val="600"/>
-              </a:spcAft>
-              <a:buNone/>
-              <a:defRPr/>
-            </a:pPr>
-            <a:endParaRPr lang="en-US" sz="1400" b="1" dirty="0">
-              <a:latin typeface="Arial Black" panose="020B0A04020102020204" pitchFamily="34" charset="0"/>
-            </a:endParaRPr>
-          </a:p>
-          <a:p>
-            <a:pPr marL="0" lvl="0" indent="0">
-              <a:spcAft>
-                <a:spcPts val="600"/>
-              </a:spcAft>
-              <a:buNone/>
-              <a:defRPr/>
-            </a:pPr>
-            <a:r>
-              <a:rPr lang="en-US" sz="1400" b="1" dirty="0" smtClean="0">
-                <a:latin typeface="Arial Black" panose="020B0A04020102020204" pitchFamily="34" charset="0"/>
-              </a:rPr>
-              <a:t>      Above 2 cases are tested and validated for negative cases also.</a:t>
-            </a:r>
           </a:p>
         </p:txBody>
       </p:sp>
@@ -3024,8 +3065,11 @@
               </a:rPr>
             </a:br>
             <a:r>
-              <a:rPr lang="en-US" dirty="0"/>
-              <a:t>why I have chosen</a:t>
+              <a:rPr lang="en-US" dirty="0" smtClean="0">
+                <a:latin typeface="Segoe UI Light" panose="020B0502040204020203" pitchFamily="34" charset="0"/>
+                <a:cs typeface="Segoe UI Light" panose="020B0502040204020203" pitchFamily="34" charset="0"/>
+              </a:rPr>
+              <a:t>What I Tested</a:t>
             </a:r>
             <a:endParaRPr lang="en-US" dirty="0">
               <a:latin typeface="Segoe UI Light" panose="020B0502040204020203" pitchFamily="34" charset="0"/>
@@ -3250,132 +3294,209 @@
             </a:lvl9pPr>
           </a:lstStyle>
           <a:p>
-            <a:pPr marL="342900" lvl="0" indent="-342900">
+            <a:pPr marL="0" lvl="0" indent="0">
               <a:spcAft>
                 <a:spcPts val="600"/>
               </a:spcAft>
-              <a:buFont typeface="+mj-lt"/>
-              <a:buAutoNum type="arabicPeriod"/>
+              <a:buNone/>
               <a:defRPr/>
             </a:pPr>
+            <a:endParaRPr lang="en-US" sz="1400" b="1" dirty="0" smtClean="0">
+              <a:latin typeface="Arial Black" panose="020B0A04020102020204" pitchFamily="34" charset="0"/>
+            </a:endParaRPr>
+          </a:p>
+          <a:p>
+            <a:pPr marL="0" lvl="0" indent="0">
+              <a:spcAft>
+                <a:spcPts val="600"/>
+              </a:spcAft>
+              <a:buNone/>
+              <a:defRPr/>
+            </a:pPr>
             <a:r>
               <a:rPr lang="en-US" sz="1400" b="1" dirty="0" smtClean="0">
                 <a:latin typeface="Arial Black" panose="020B0A04020102020204" pitchFamily="34" charset="0"/>
               </a:rPr>
-              <a:t>We have to register user first to login to application.</a:t>
-            </a:r>
-          </a:p>
-          <a:p>
-            <a:pPr marL="342900" lvl="0" indent="-342900">
+              <a:t>     I have tested Register User functionality for both positive and negative scenarios.</a:t>
+            </a:r>
+          </a:p>
+          <a:p>
+            <a:pPr marL="0" lvl="0" indent="0">
               <a:spcAft>
                 <a:spcPts val="600"/>
               </a:spcAft>
-              <a:buFont typeface="+mj-lt"/>
-              <a:buAutoNum type="arabicPeriod"/>
+              <a:buNone/>
               <a:defRPr/>
             </a:pPr>
             <a:r>
+              <a:rPr lang="en-US" sz="1400" b="1" dirty="0">
+                <a:latin typeface="Arial Black" panose="020B0A04020102020204" pitchFamily="34" charset="0"/>
+              </a:rPr>
+              <a:t> </a:t>
+            </a:r>
+            <a:r>
               <a:rPr lang="en-US" sz="1400" b="1" dirty="0" smtClean="0">
                 <a:latin typeface="Arial Black" panose="020B0A04020102020204" pitchFamily="34" charset="0"/>
               </a:rPr>
-              <a:t>This register user allows user to create user name and password. By passing both positive and negative test data (by passing new user name and existing user name) we can validate application behavior.</a:t>
-            </a:r>
-          </a:p>
-          <a:p>
-            <a:pPr marL="342900" lvl="0" indent="-342900">
+              <a:t>     </a:t>
+            </a:r>
+          </a:p>
+          <a:p>
+            <a:pPr marL="0" lvl="0" indent="0">
               <a:spcAft>
                 <a:spcPts val="600"/>
               </a:spcAft>
-              <a:buFont typeface="+mj-lt"/>
-              <a:buAutoNum type="arabicPeriod"/>
+              <a:buNone/>
               <a:defRPr/>
             </a:pPr>
             <a:r>
+              <a:rPr lang="en-US" sz="1400" b="1" dirty="0">
+                <a:latin typeface="Arial Black" panose="020B0A04020102020204" pitchFamily="34" charset="0"/>
+              </a:rPr>
+              <a:t> </a:t>
+            </a:r>
+            <a:r>
               <a:rPr lang="en-US" sz="1400" b="1" dirty="0" smtClean="0">
                 <a:latin typeface="Arial Black" panose="020B0A04020102020204" pitchFamily="34" charset="0"/>
               </a:rPr>
-              <a:t>There are many fields in </a:t>
-            </a:r>
+              <a:t>    Positive Case1: Register User using UI </a:t>
+            </a:r>
+          </a:p>
+          <a:p>
+            <a:pPr marL="0" lvl="0" indent="0">
+              <a:spcAft>
+                <a:spcPts val="600"/>
+              </a:spcAft>
+              <a:buNone/>
+              <a:defRPr/>
+            </a:pPr>
             <a:r>
               <a:rPr lang="en-US" sz="1400" b="1" dirty="0">
                 <a:latin typeface="Arial Black" panose="020B0A04020102020204" pitchFamily="34" charset="0"/>
               </a:rPr>
-              <a:t>register </a:t>
+              <a:t> </a:t>
             </a:r>
             <a:r>
               <a:rPr lang="en-US" sz="1400" b="1" dirty="0" smtClean="0">
                 <a:latin typeface="Arial Black" panose="020B0A04020102020204" pitchFamily="34" charset="0"/>
               </a:rPr>
-              <a:t>user form. In that few are mandatory and few are non mandatory fields. We have more option to test negative test cases by keeping blank in mandatory fields.</a:t>
-            </a:r>
-          </a:p>
-          <a:p>
-            <a:pPr marL="342900" lvl="0" indent="-342900">
+              <a:t>                               Validation: Check user is registered or not through UI and API. Both the result should match</a:t>
+            </a:r>
+          </a:p>
+          <a:p>
+            <a:pPr marL="0" lvl="0" indent="0">
               <a:spcAft>
                 <a:spcPts val="600"/>
               </a:spcAft>
-              <a:buFont typeface="+mj-lt"/>
-              <a:buAutoNum type="arabicPeriod"/>
+              <a:buNone/>
               <a:defRPr/>
             </a:pPr>
             <a:r>
+              <a:rPr lang="en-US" sz="1400" b="1" dirty="0">
+                <a:latin typeface="Arial Black" panose="020B0A04020102020204" pitchFamily="34" charset="0"/>
+              </a:rPr>
+              <a:t> </a:t>
+            </a:r>
+            <a:r>
               <a:rPr lang="en-US" sz="1400" b="1" dirty="0" smtClean="0">
                 <a:latin typeface="Arial Black" panose="020B0A04020102020204" pitchFamily="34" charset="0"/>
               </a:rPr>
-              <a:t>API is available to register user. We can achieve our goal of testing </a:t>
-            </a:r>
+              <a:t>          </a:t>
+            </a:r>
+          </a:p>
+          <a:p>
+            <a:pPr marL="0" indent="0">
+              <a:spcAft>
+                <a:spcPts val="600"/>
+              </a:spcAft>
+              <a:buNone/>
+              <a:defRPr/>
+            </a:pPr>
             <a:r>
               <a:rPr lang="en-US" sz="1400" b="1" dirty="0">
                 <a:latin typeface="Arial Black" panose="020B0A04020102020204" pitchFamily="34" charset="0"/>
               </a:rPr>
-              <a:t>Data </a:t>
+              <a:t> </a:t>
             </a:r>
             <a:r>
               <a:rPr lang="en-US" sz="1400" b="1" dirty="0" smtClean="0">
                 <a:latin typeface="Arial Black" panose="020B0A04020102020204" pitchFamily="34" charset="0"/>
               </a:rPr>
-              <a:t>Consistency.</a:t>
-            </a:r>
-          </a:p>
-          <a:p>
-            <a:pPr marL="342900" lvl="0" indent="-342900">
+              <a:t>     </a:t>
+            </a:r>
+            <a:r>
+              <a:rPr lang="en-US" sz="1400" b="1" dirty="0">
+                <a:latin typeface="Arial Black" panose="020B0A04020102020204" pitchFamily="34" charset="0"/>
+              </a:rPr>
+              <a:t>Positive </a:t>
+            </a:r>
+            <a:r>
+              <a:rPr lang="en-US" sz="1400" b="1" dirty="0" smtClean="0">
+                <a:latin typeface="Arial Black" panose="020B0A04020102020204" pitchFamily="34" charset="0"/>
+              </a:rPr>
+              <a:t>Case2: </a:t>
+            </a:r>
+            <a:r>
+              <a:rPr lang="en-US" sz="1400" b="1" dirty="0">
+                <a:latin typeface="Arial Black" panose="020B0A04020102020204" pitchFamily="34" charset="0"/>
+              </a:rPr>
+              <a:t>Register User using </a:t>
+            </a:r>
+            <a:r>
+              <a:rPr lang="en-US" sz="1400" b="1" dirty="0" smtClean="0">
+                <a:latin typeface="Arial Black" panose="020B0A04020102020204" pitchFamily="34" charset="0"/>
+              </a:rPr>
+              <a:t>API</a:t>
+            </a:r>
+            <a:endParaRPr lang="en-US" sz="1400" b="1" dirty="0">
+              <a:latin typeface="Arial Black" panose="020B0A04020102020204" pitchFamily="34" charset="0"/>
+            </a:endParaRPr>
+          </a:p>
+          <a:p>
+            <a:pPr marL="0" lvl="0" indent="0">
               <a:spcAft>
                 <a:spcPts val="600"/>
               </a:spcAft>
-              <a:buFont typeface="+mj-lt"/>
-              <a:buAutoNum type="arabicPeriod"/>
+              <a:buNone/>
               <a:defRPr/>
             </a:pPr>
             <a:r>
               <a:rPr lang="en-US" sz="1400" b="1" dirty="0" smtClean="0">
                 <a:latin typeface="Arial Black" panose="020B0A04020102020204" pitchFamily="34" charset="0"/>
               </a:rPr>
-              <a:t>One UI script is enough to register user for both positive and negative cases. With less coding we can cover both positive and negative cases along with Data Consistency.</a:t>
-            </a:r>
-          </a:p>
-          <a:p>
-            <a:pPr marL="342900" lvl="0" indent="-342900">
-              <a:spcAft>
-                <a:spcPts val="600"/>
-              </a:spcAft>
-              <a:buFont typeface="+mj-lt"/>
-              <a:buAutoNum type="arabicPeriod"/>
-              <a:defRPr/>
-            </a:pPr>
+              <a:t>                                Validation</a:t>
+            </a:r>
+            <a:r>
+              <a:rPr lang="en-US" sz="1400" b="1" dirty="0">
+                <a:latin typeface="Arial Black" panose="020B0A04020102020204" pitchFamily="34" charset="0"/>
+              </a:rPr>
+              <a:t>: Check user is registered or not through </a:t>
+            </a:r>
             <a:r>
               <a:rPr lang="en-US" sz="1400" b="1" dirty="0" smtClean="0">
                 <a:latin typeface="Arial Black" panose="020B0A04020102020204" pitchFamily="34" charset="0"/>
               </a:rPr>
-              <a:t>As it is a demo application there is no consistency in data flow between one module to another module like transfer fund.</a:t>
-            </a:r>
-          </a:p>
-          <a:p>
-            <a:pPr marL="342900" lvl="0" indent="-342900">
+              <a:t>API and UI. </a:t>
+            </a:r>
+            <a:r>
+              <a:rPr lang="en-US" sz="1400" b="1" dirty="0">
+                <a:latin typeface="Arial Black" panose="020B0A04020102020204" pitchFamily="34" charset="0"/>
+              </a:rPr>
+              <a:t>Both the result should </a:t>
+            </a:r>
+            <a:r>
+              <a:rPr lang="en-US" sz="1400" b="1" dirty="0" smtClean="0">
+                <a:latin typeface="Arial Black" panose="020B0A04020102020204" pitchFamily="34" charset="0"/>
+              </a:rPr>
+              <a:t>match</a:t>
+            </a:r>
+          </a:p>
+          <a:p>
+            <a:pPr marL="0" lvl="0" indent="0">
               <a:spcAft>
                 <a:spcPts val="600"/>
               </a:spcAft>
-              <a:buFont typeface="+mj-lt"/>
-              <a:buAutoNum type="arabicPeriod"/>
+              <a:buNone/>
               <a:defRPr/>
             </a:pPr>
             <a:endParaRPr lang="en-US" sz="1400" b="1" dirty="0">
@@ -3394,7 +3515,7 @@
               <a:rPr lang="en-US" sz="1400" b="1" dirty="0" smtClean="0">
                 <a:latin typeface="Arial Black" panose="020B0A04020102020204" pitchFamily="34" charset="0"/>
               </a:rPr>
-              <a:t> Considering above points I have chosen register user feature to test.</a:t>
+              <a:t>      Above 2 cases are tested and validated for negative cases also.</a:t>
             </a:r>
           </a:p>
         </p:txBody>
@@ -3402,7 +3523,7 @@
     </p:spTree>
     <p:extLst>
       <p:ext uri="{BB962C8B-B14F-4D97-AF65-F5344CB8AC3E}">
-        <p14:creationId xmlns:p14="http://schemas.microsoft.com/office/powerpoint/2010/main" val="3574351204"/>
+        <p14:creationId xmlns:p14="http://schemas.microsoft.com/office/powerpoint/2010/main" val="1303322254"/>
       </p:ext>
     </p:extLst>
   </p:cSld>
@@ -3473,8 +3594,8 @@
               </a:rPr>
             </a:br>
             <a:r>
-              <a:rPr lang="en-US" dirty="0" smtClean="0"/>
-              <a:t>Issues or Learning</a:t>
+              <a:rPr lang="en-US" dirty="0"/>
+              <a:t>why I have chosen</a:t>
             </a:r>
             <a:endParaRPr lang="en-US" dirty="0">
               <a:latin typeface="Segoe UI Light" panose="020B0502040204020203" pitchFamily="34" charset="0"/>
@@ -3711,6 +3832,455 @@
               <a:rPr lang="en-US" sz="1400" b="1" dirty="0" smtClean="0">
                 <a:latin typeface="Arial Black" panose="020B0A04020102020204" pitchFamily="34" charset="0"/>
               </a:rPr>
+              <a:t>We have to register user first to login to application.</a:t>
+            </a:r>
+          </a:p>
+          <a:p>
+            <a:pPr marL="342900" lvl="0" indent="-342900">
+              <a:spcAft>
+                <a:spcPts val="600"/>
+              </a:spcAft>
+              <a:buFont typeface="+mj-lt"/>
+              <a:buAutoNum type="arabicPeriod"/>
+              <a:defRPr/>
+            </a:pPr>
+            <a:r>
+              <a:rPr lang="en-US" sz="1400" b="1" dirty="0" smtClean="0">
+                <a:latin typeface="Arial Black" panose="020B0A04020102020204" pitchFamily="34" charset="0"/>
+              </a:rPr>
+              <a:t>This register user allows user to create user name and password. By passing both positive and negative test data (by passing new user name and existing user name) we can validate application behavior.</a:t>
+            </a:r>
+          </a:p>
+          <a:p>
+            <a:pPr marL="342900" lvl="0" indent="-342900">
+              <a:spcAft>
+                <a:spcPts val="600"/>
+              </a:spcAft>
+              <a:buFont typeface="+mj-lt"/>
+              <a:buAutoNum type="arabicPeriod"/>
+              <a:defRPr/>
+            </a:pPr>
+            <a:r>
+              <a:rPr lang="en-US" sz="1400" b="1" dirty="0" smtClean="0">
+                <a:latin typeface="Arial Black" panose="020B0A04020102020204" pitchFamily="34" charset="0"/>
+              </a:rPr>
+              <a:t>There are many fields in </a:t>
+            </a:r>
+            <a:r>
+              <a:rPr lang="en-US" sz="1400" b="1" dirty="0">
+                <a:latin typeface="Arial Black" panose="020B0A04020102020204" pitchFamily="34" charset="0"/>
+              </a:rPr>
+              <a:t>register </a:t>
+            </a:r>
+            <a:r>
+              <a:rPr lang="en-US" sz="1400" b="1" dirty="0" smtClean="0">
+                <a:latin typeface="Arial Black" panose="020B0A04020102020204" pitchFamily="34" charset="0"/>
+              </a:rPr>
+              <a:t>user form. In that few are mandatory and few are non mandatory fields. We have more option to test negative test cases by keeping blank in mandatory fields.</a:t>
+            </a:r>
+          </a:p>
+          <a:p>
+            <a:pPr marL="342900" lvl="0" indent="-342900">
+              <a:spcAft>
+                <a:spcPts val="600"/>
+              </a:spcAft>
+              <a:buFont typeface="+mj-lt"/>
+              <a:buAutoNum type="arabicPeriod"/>
+              <a:defRPr/>
+            </a:pPr>
+            <a:r>
+              <a:rPr lang="en-US" sz="1400" b="1" dirty="0" smtClean="0">
+                <a:latin typeface="Arial Black" panose="020B0A04020102020204" pitchFamily="34" charset="0"/>
+              </a:rPr>
+              <a:t>API is available to register user. We can achieve our goal of testing </a:t>
+            </a:r>
+            <a:r>
+              <a:rPr lang="en-US" sz="1400" b="1" dirty="0">
+                <a:latin typeface="Arial Black" panose="020B0A04020102020204" pitchFamily="34" charset="0"/>
+              </a:rPr>
+              <a:t>Data </a:t>
+            </a:r>
+            <a:r>
+              <a:rPr lang="en-US" sz="1400" b="1" dirty="0" smtClean="0">
+                <a:latin typeface="Arial Black" panose="020B0A04020102020204" pitchFamily="34" charset="0"/>
+              </a:rPr>
+              <a:t>Consistency.</a:t>
+            </a:r>
+          </a:p>
+          <a:p>
+            <a:pPr marL="342900" lvl="0" indent="-342900">
+              <a:spcAft>
+                <a:spcPts val="600"/>
+              </a:spcAft>
+              <a:buFont typeface="+mj-lt"/>
+              <a:buAutoNum type="arabicPeriod"/>
+              <a:defRPr/>
+            </a:pPr>
+            <a:r>
+              <a:rPr lang="en-US" sz="1400" b="1" dirty="0" smtClean="0">
+                <a:latin typeface="Arial Black" panose="020B0A04020102020204" pitchFamily="34" charset="0"/>
+              </a:rPr>
+              <a:t>One UI script is enough to register user for both positive and negative cases. With less coding we can cover both positive and negative cases along with Data Consistency.</a:t>
+            </a:r>
+          </a:p>
+          <a:p>
+            <a:pPr marL="342900" lvl="0" indent="-342900">
+              <a:spcAft>
+                <a:spcPts val="600"/>
+              </a:spcAft>
+              <a:buFont typeface="+mj-lt"/>
+              <a:buAutoNum type="arabicPeriod"/>
+              <a:defRPr/>
+            </a:pPr>
+            <a:r>
+              <a:rPr lang="en-US" sz="1400" b="1" dirty="0" smtClean="0">
+                <a:latin typeface="Arial Black" panose="020B0A04020102020204" pitchFamily="34" charset="0"/>
+              </a:rPr>
+              <a:t>As it is a demo application there is no consistency in data flow between one module to another module like transfer fund.</a:t>
+            </a:r>
+          </a:p>
+          <a:p>
+            <a:pPr marL="342900" lvl="0" indent="-342900">
+              <a:spcAft>
+                <a:spcPts val="600"/>
+              </a:spcAft>
+              <a:buFont typeface="+mj-lt"/>
+              <a:buAutoNum type="arabicPeriod"/>
+              <a:defRPr/>
+            </a:pPr>
+            <a:endParaRPr lang="en-US" sz="1400" b="1" dirty="0">
+              <a:latin typeface="Arial Black" panose="020B0A04020102020204" pitchFamily="34" charset="0"/>
+            </a:endParaRPr>
+          </a:p>
+          <a:p>
+            <a:pPr marL="0" lvl="0" indent="0">
+              <a:spcAft>
+                <a:spcPts val="600"/>
+              </a:spcAft>
+              <a:buNone/>
+              <a:defRPr/>
+            </a:pPr>
+            <a:r>
+              <a:rPr lang="en-US" sz="1400" b="1" dirty="0" smtClean="0">
+                <a:latin typeface="Arial Black" panose="020B0A04020102020204" pitchFamily="34" charset="0"/>
+              </a:rPr>
+              <a:t> Considering above points I have chosen register user feature to test.</a:t>
+            </a:r>
+          </a:p>
+        </p:txBody>
+      </p:sp>
+    </p:spTree>
+    <p:extLst>
+      <p:ext uri="{BB962C8B-B14F-4D97-AF65-F5344CB8AC3E}">
+        <p14:creationId xmlns:p14="http://schemas.microsoft.com/office/powerpoint/2010/main" val="3574351204"/>
+      </p:ext>
+    </p:extLst>
+  </p:cSld>
+  <p:clrMapOvr>
+    <a:masterClrMapping/>
+  </p:clrMapOvr>
+  <mc:AlternateContent xmlns:mc="http://schemas.openxmlformats.org/markup-compatibility/2006" xmlns:p14="http://schemas.microsoft.com/office/powerpoint/2010/main">
+    <mc:Choice Requires="p14">
+      <p:transition p14:dur="10"/>
+    </mc:Choice>
+    <mc:Fallback xmlns="">
+      <p:transition/>
+    </mc:Fallback>
+  </mc:AlternateContent>
+</p:sld>
+</file>
+
+<file path=ppt/slides/slide5.xml><?xml version="1.0" encoding="utf-8"?>
+<p:sld xmlns:a="http://schemas.openxmlformats.org/drawingml/2006/main" xmlns:r="http://schemas.openxmlformats.org/officeDocument/2006/relationships" xmlns:p="http://schemas.openxmlformats.org/presentationml/2006/main">
+  <p:cSld>
+    <p:spTree>
+      <p:nvGrpSpPr>
+        <p:cNvPr id="1" name=""/>
+        <p:cNvGrpSpPr/>
+        <p:nvPr/>
+      </p:nvGrpSpPr>
+      <p:grpSpPr>
+        <a:xfrm>
+          <a:off x="0" y="0"/>
+          <a:ext cx="0" cy="0"/>
+          <a:chOff x="0" y="0"/>
+          <a:chExt cx="0" cy="0"/>
+        </a:xfrm>
+      </p:grpSpPr>
+      <p:sp>
+        <p:nvSpPr>
+          <p:cNvPr id="8" name="Title 7"/>
+          <p:cNvSpPr>
+            <a:spLocks noGrp="1"/>
+          </p:cNvSpPr>
+          <p:nvPr>
+            <p:ph type="title"/>
+          </p:nvPr>
+        </p:nvSpPr>
+        <p:spPr>
+          <a:xfrm>
+            <a:off x="521207" y="0"/>
+            <a:ext cx="6877119" cy="1088136"/>
+          </a:xfrm>
+        </p:spPr>
+        <p:txBody>
+          <a:bodyPr>
+            <a:noAutofit/>
+          </a:bodyPr>
+          <a:lstStyle/>
+          <a:p>
+            <a:r>
+              <a:rPr lang="en-US" dirty="0" smtClean="0">
+                <a:latin typeface="Segoe UI Light" panose="020B0502040204020203" pitchFamily="34" charset="0"/>
+                <a:cs typeface="Segoe UI Light" panose="020B0502040204020203" pitchFamily="34" charset="0"/>
+              </a:rPr>
+              <a:t/>
+            </a:r>
+            <a:br>
+              <a:rPr lang="en-US" dirty="0" smtClean="0">
+                <a:latin typeface="Segoe UI Light" panose="020B0502040204020203" pitchFamily="34" charset="0"/>
+                <a:cs typeface="Segoe UI Light" panose="020B0502040204020203" pitchFamily="34" charset="0"/>
+              </a:rPr>
+            </a:br>
+            <a:r>
+              <a:rPr lang="en-US" dirty="0" smtClean="0"/>
+              <a:t>Issues or Learning</a:t>
+            </a:r>
+            <a:endParaRPr lang="en-US" dirty="0">
+              <a:latin typeface="Segoe UI Light" panose="020B0502040204020203" pitchFamily="34" charset="0"/>
+              <a:cs typeface="Segoe UI Light" panose="020B0502040204020203" pitchFamily="34" charset="0"/>
+            </a:endParaRPr>
+          </a:p>
+        </p:txBody>
+      </p:sp>
+      <p:sp>
+        <p:nvSpPr>
+          <p:cNvPr id="38" name="Content Placeholder 17"/>
+          <p:cNvSpPr txBox="1">
+            <a:spLocks/>
+          </p:cNvSpPr>
+          <p:nvPr/>
+        </p:nvSpPr>
+        <p:spPr>
+          <a:xfrm>
+            <a:off x="521207" y="1423851"/>
+            <a:ext cx="11280276" cy="5617029"/>
+          </a:xfrm>
+          <a:prstGeom prst="rect">
+            <a:avLst/>
+          </a:prstGeom>
+        </p:spPr>
+        <p:txBody>
+          <a:bodyPr vert="horz" lIns="91440" tIns="45720" rIns="91440" bIns="45720" rtlCol="0">
+            <a:normAutofit/>
+          </a:bodyPr>
+          <a:lstStyle>
+            <a:lvl1pPr marL="228600" indent="-228600" algn="l" defTabSz="914400" rtl="0" eaLnBrk="1" latinLnBrk="0" hangingPunct="1">
+              <a:lnSpc>
+                <a:spcPts val="1800"/>
+              </a:lnSpc>
+              <a:spcBef>
+                <a:spcPts val="1000"/>
+              </a:spcBef>
+              <a:spcAft>
+                <a:spcPts val="1000"/>
+              </a:spcAft>
+              <a:buFont typeface="Arial" panose="020B0604020202020204" pitchFamily="34" charset="0"/>
+              <a:buChar char="•"/>
+              <a:defRPr lang="en-US" sz="1200" kern="1200" smtClean="0">
+                <a:solidFill>
+                  <a:schemeClr val="tx1">
+                    <a:lumMod val="75000"/>
+                    <a:lumOff val="25000"/>
+                  </a:schemeClr>
+                </a:solidFill>
+                <a:latin typeface="+mn-lt"/>
+                <a:ea typeface="+mn-ea"/>
+                <a:cs typeface="+mn-cs"/>
+              </a:defRPr>
+            </a:lvl1pPr>
+            <a:lvl2pPr marL="685800" indent="-228600" algn="l" defTabSz="914400" rtl="0" eaLnBrk="1" latinLnBrk="0" hangingPunct="1">
+              <a:lnSpc>
+                <a:spcPts val="1800"/>
+              </a:lnSpc>
+              <a:spcBef>
+                <a:spcPts val="1000"/>
+              </a:spcBef>
+              <a:spcAft>
+                <a:spcPts val="1000"/>
+              </a:spcAft>
+              <a:buFont typeface="Arial" panose="020B0604020202020204" pitchFamily="34" charset="0"/>
+              <a:buChar char="•"/>
+              <a:defRPr lang="en-US" sz="1200" kern="1200" smtClean="0">
+                <a:solidFill>
+                  <a:schemeClr val="tx1">
+                    <a:lumMod val="75000"/>
+                    <a:lumOff val="25000"/>
+                  </a:schemeClr>
+                </a:solidFill>
+                <a:latin typeface="+mn-lt"/>
+                <a:ea typeface="+mn-ea"/>
+                <a:cs typeface="+mn-cs"/>
+              </a:defRPr>
+            </a:lvl2pPr>
+            <a:lvl3pPr marL="1143000" indent="-228600" algn="l" defTabSz="914400" rtl="0" eaLnBrk="1" latinLnBrk="0" hangingPunct="1">
+              <a:lnSpc>
+                <a:spcPts val="1800"/>
+              </a:lnSpc>
+              <a:spcBef>
+                <a:spcPts val="1000"/>
+              </a:spcBef>
+              <a:spcAft>
+                <a:spcPts val="1000"/>
+              </a:spcAft>
+              <a:buFont typeface="Arial" panose="020B0604020202020204" pitchFamily="34" charset="0"/>
+              <a:buChar char="•"/>
+              <a:defRPr lang="en-US" sz="1200" kern="1200" smtClean="0">
+                <a:solidFill>
+                  <a:schemeClr val="tx1">
+                    <a:lumMod val="75000"/>
+                    <a:lumOff val="25000"/>
+                  </a:schemeClr>
+                </a:solidFill>
+                <a:latin typeface="+mn-lt"/>
+                <a:ea typeface="+mn-ea"/>
+                <a:cs typeface="+mn-cs"/>
+              </a:defRPr>
+            </a:lvl3pPr>
+            <a:lvl4pPr marL="1600200" indent="-228600" algn="l" defTabSz="914400" rtl="0" eaLnBrk="1" latinLnBrk="0" hangingPunct="1">
+              <a:lnSpc>
+                <a:spcPts val="1800"/>
+              </a:lnSpc>
+              <a:spcBef>
+                <a:spcPts val="1000"/>
+              </a:spcBef>
+              <a:spcAft>
+                <a:spcPts val="1000"/>
+              </a:spcAft>
+              <a:buFont typeface="Arial" panose="020B0604020202020204" pitchFamily="34" charset="0"/>
+              <a:buChar char="•"/>
+              <a:defRPr lang="en-US" sz="1200" kern="1200" smtClean="0">
+                <a:solidFill>
+                  <a:schemeClr val="tx1">
+                    <a:lumMod val="75000"/>
+                    <a:lumOff val="25000"/>
+                  </a:schemeClr>
+                </a:solidFill>
+                <a:latin typeface="+mn-lt"/>
+                <a:ea typeface="+mn-ea"/>
+                <a:cs typeface="+mn-cs"/>
+              </a:defRPr>
+            </a:lvl4pPr>
+            <a:lvl5pPr marL="2057400" indent="-228600" algn="l" defTabSz="914400" rtl="0" eaLnBrk="1" latinLnBrk="0" hangingPunct="1">
+              <a:lnSpc>
+                <a:spcPts val="1800"/>
+              </a:lnSpc>
+              <a:spcBef>
+                <a:spcPts val="1000"/>
+              </a:spcBef>
+              <a:spcAft>
+                <a:spcPts val="1000"/>
+              </a:spcAft>
+              <a:buFont typeface="Arial" panose="020B0604020202020204" pitchFamily="34" charset="0"/>
+              <a:buChar char="•"/>
+              <a:defRPr lang="en-US" sz="1200" kern="1200">
+                <a:solidFill>
+                  <a:schemeClr val="tx1">
+                    <a:lumMod val="75000"/>
+                    <a:lumOff val="25000"/>
+                  </a:schemeClr>
+                </a:solidFill>
+                <a:latin typeface="+mn-lt"/>
+                <a:ea typeface="+mn-ea"/>
+                <a:cs typeface="+mn-cs"/>
+              </a:defRPr>
+            </a:lvl5pPr>
+            <a:lvl6pPr marL="2514600" indent="-228600" algn="l" defTabSz="914400" rtl="0" eaLnBrk="1" latinLnBrk="0" hangingPunct="1">
+              <a:lnSpc>
+                <a:spcPct val="90000"/>
+              </a:lnSpc>
+              <a:spcBef>
+                <a:spcPct val="30000"/>
+              </a:spcBef>
+              <a:buFont typeface="Arial" panose="020B0604020202020204" pitchFamily="34" charset="0"/>
+              <a:buChar char="•"/>
+              <a:defRPr sz="1800" kern="1200">
+                <a:solidFill>
+                  <a:schemeClr val="tx1"/>
+                </a:solidFill>
+                <a:latin typeface="+mn-lt"/>
+                <a:ea typeface="+mn-ea"/>
+                <a:cs typeface="+mn-cs"/>
+              </a:defRPr>
+            </a:lvl6pPr>
+            <a:lvl7pPr marL="2971800" indent="-228600" algn="l" defTabSz="914400" rtl="0" eaLnBrk="1" latinLnBrk="0" hangingPunct="1">
+              <a:lnSpc>
+                <a:spcPct val="90000"/>
+              </a:lnSpc>
+              <a:spcBef>
+                <a:spcPct val="30000"/>
+              </a:spcBef>
+              <a:buFont typeface="Arial" panose="020B0604020202020204" pitchFamily="34" charset="0"/>
+              <a:buChar char="•"/>
+              <a:defRPr sz="1800" kern="1200">
+                <a:solidFill>
+                  <a:schemeClr val="tx1"/>
+                </a:solidFill>
+                <a:latin typeface="+mn-lt"/>
+                <a:ea typeface="+mn-ea"/>
+                <a:cs typeface="+mn-cs"/>
+              </a:defRPr>
+            </a:lvl7pPr>
+            <a:lvl8pPr marL="3429000" indent="-228600" algn="l" defTabSz="914400" rtl="0" eaLnBrk="1" latinLnBrk="0" hangingPunct="1">
+              <a:lnSpc>
+                <a:spcPct val="90000"/>
+              </a:lnSpc>
+              <a:spcBef>
+                <a:spcPct val="30000"/>
+              </a:spcBef>
+              <a:buFont typeface="Arial" panose="020B0604020202020204" pitchFamily="34" charset="0"/>
+              <a:buChar char="•"/>
+              <a:defRPr sz="1800" kern="1200">
+                <a:solidFill>
+                  <a:schemeClr val="tx1"/>
+                </a:solidFill>
+                <a:latin typeface="+mn-lt"/>
+                <a:ea typeface="+mn-ea"/>
+                <a:cs typeface="+mn-cs"/>
+              </a:defRPr>
+            </a:lvl8pPr>
+            <a:lvl9pPr marL="3886200" indent="-228600" algn="l" defTabSz="914400" rtl="0" eaLnBrk="1" latinLnBrk="0" hangingPunct="1">
+              <a:lnSpc>
+                <a:spcPct val="90000"/>
+              </a:lnSpc>
+              <a:spcBef>
+                <a:spcPct val="30000"/>
+              </a:spcBef>
+              <a:buFont typeface="Arial" panose="020B0604020202020204" pitchFamily="34" charset="0"/>
+              <a:buChar char="•"/>
+              <a:defRPr sz="1800" kern="1200">
+                <a:solidFill>
+                  <a:schemeClr val="tx1"/>
+                </a:solidFill>
+                <a:latin typeface="+mn-lt"/>
+                <a:ea typeface="+mn-ea"/>
+                <a:cs typeface="+mn-cs"/>
+              </a:defRPr>
+            </a:lvl9pPr>
+          </a:lstStyle>
+          <a:p>
+            <a:pPr marL="342900" lvl="0" indent="-342900">
+              <a:spcAft>
+                <a:spcPts val="600"/>
+              </a:spcAft>
+              <a:buFont typeface="+mj-lt"/>
+              <a:buAutoNum type="arabicPeriod"/>
+              <a:defRPr/>
+            </a:pPr>
+            <a:r>
+              <a:rPr lang="en-US" sz="1400" b="1" dirty="0" smtClean="0">
+                <a:latin typeface="Arial Black" panose="020B0A04020102020204" pitchFamily="34" charset="0"/>
+              </a:rPr>
               <a:t>Issues: </a:t>
             </a:r>
           </a:p>
@@ -3815,6 +4385,70 @@
       <p:transition/>
     </mc:Fallback>
   </mc:AlternateContent>
+</p:sld>
+</file>
+
+<file path=ppt/slides/slide6.xml><?xml version="1.0" encoding="utf-8"?>
+<p:sld xmlns:a="http://schemas.openxmlformats.org/drawingml/2006/main" xmlns:r="http://schemas.openxmlformats.org/officeDocument/2006/relationships" xmlns:p="http://schemas.openxmlformats.org/presentationml/2006/main">
+  <p:cSld>
+    <p:spTree>
+      <p:nvGrpSpPr>
+        <p:cNvPr id="1" name=""/>
+        <p:cNvGrpSpPr/>
+        <p:nvPr/>
+      </p:nvGrpSpPr>
+      <p:grpSpPr>
+        <a:xfrm>
+          <a:off x="0" y="0"/>
+          <a:ext cx="0" cy="0"/>
+          <a:chOff x="0" y="0"/>
+          <a:chExt cx="0" cy="0"/>
+        </a:xfrm>
+      </p:grpSpPr>
+      <p:sp>
+        <p:nvSpPr>
+          <p:cNvPr id="2" name="Title 1"/>
+          <p:cNvSpPr>
+            <a:spLocks noGrp="1"/>
+          </p:cNvSpPr>
+          <p:nvPr>
+            <p:ph type="title"/>
+          </p:nvPr>
+        </p:nvSpPr>
+        <p:spPr>
+          <a:xfrm>
+            <a:off x="521208" y="448056"/>
+            <a:ext cx="6876288" cy="3758184"/>
+          </a:xfrm>
+        </p:spPr>
+        <p:txBody>
+          <a:bodyPr/>
+          <a:lstStyle/>
+          <a:p>
+            <a:r>
+              <a:rPr lang="en-US" dirty="0" smtClean="0">
+                <a:latin typeface="Arial" panose="020B0604020202020204" pitchFamily="34" charset="0"/>
+                <a:cs typeface="Arial" panose="020B0604020202020204" pitchFamily="34" charset="0"/>
+              </a:rPr>
+              <a:t>Thank you</a:t>
+            </a:r>
+            <a:endParaRPr lang="en-US" dirty="0">
+              <a:latin typeface="Arial" panose="020B0604020202020204" pitchFamily="34" charset="0"/>
+              <a:cs typeface="Arial" panose="020B0604020202020204" pitchFamily="34" charset="0"/>
+            </a:endParaRPr>
+          </a:p>
+        </p:txBody>
+      </p:sp>
+    </p:spTree>
+    <p:extLst>
+      <p:ext uri="{BB962C8B-B14F-4D97-AF65-F5344CB8AC3E}">
+        <p14:creationId xmlns:p14="http://schemas.microsoft.com/office/powerpoint/2010/main" val="1122862531"/>
+      </p:ext>
+    </p:extLst>
+  </p:cSld>
+  <p:clrMapOvr>
+    <a:masterClrMapping/>
+  </p:clrMapOvr>
 </p:sld>
 </file>
 
@@ -4576,24 +5210,6 @@
 </file>
 
 <file path=customXml/item1.xml><?xml version="1.0" encoding="utf-8"?>
-<p:properties xmlns:p="http://schemas.microsoft.com/office/2006/metadata/properties" xmlns:xsi="http://www.w3.org/2001/XMLSchema-instance" xmlns:pc="http://schemas.microsoft.com/office/infopath/2007/PartnerControls">
-  <documentManagement>
-    <Status xmlns="71af3243-3dd4-4a8d-8c0d-dd76da1f02a5">Not started</Status>
-    <MediaServiceKeyPoints xmlns="71af3243-3dd4-4a8d-8c0d-dd76da1f02a5" xsi:nil="true"/>
-  </documentManagement>
-</p:properties>
-</file>
-
-<file path=customXml/item2.xml><?xml version="1.0" encoding="utf-8"?>
-<?mso-contentType ?>
-<FormTemplates xmlns="http://schemas.microsoft.com/sharepoint/v3/contenttype/forms">
-  <Display>DocumentLibraryForm</Display>
-  <Edit>DocumentLibraryForm</Edit>
-  <New>DocumentLibraryForm</New>
-</FormTemplates>
-</file>
-
-<file path=customXml/item3.xml><?xml version="1.0" encoding="utf-8"?>
 <ct:contentTypeSchema xmlns:ct="http://schemas.microsoft.com/office/2006/metadata/contentType" xmlns:ma="http://schemas.microsoft.com/office/2006/metadata/properties/metaAttributes" ct:_="" ma:_="" ma:contentTypeName="Document" ma:contentTypeID="0x01010079F111ED35F8CC479449609E8A0923A6" ma:contentTypeVersion="12" ma:contentTypeDescription="Create a new document." ma:contentTypeScope="" ma:versionID="a8a52e8c320b9a064ae3583ae3861c92">
   <xsd:schema xmlns:xsd="http://www.w3.org/2001/XMLSchema" xmlns:xs="http://www.w3.org/2001/XMLSchema" xmlns:p="http://schemas.microsoft.com/office/2006/metadata/properties" xmlns:ns2="71af3243-3dd4-4a8d-8c0d-dd76da1f02a5" xmlns:ns3="16c05727-aa75-4e4a-9b5f-8a80a1165891" targetNamespace="http://schemas.microsoft.com/office/2006/metadata/properties" ma:root="true" ma:fieldsID="88020cb39231a0945110f9cd888b521a" ns2:_="" ns3:_="">
     <xsd:import namespace="71af3243-3dd4-4a8d-8c0d-dd76da1f02a5"/>
@@ -4814,25 +5430,25 @@
 </ct:contentTypeSchema>
 </file>
 
-<file path=customXml/itemProps1.xml><?xml version="1.0" encoding="utf-8"?>
-<ds:datastoreItem xmlns:ds="http://schemas.openxmlformats.org/officeDocument/2006/customXml" ds:itemID="{950072C5-DDE0-4258-BA7A-4D4B80DFA632}">
-  <ds:schemaRefs>
-    <ds:schemaRef ds:uri="http://schemas.microsoft.com/office/2006/metadata/properties"/>
-    <ds:schemaRef ds:uri="http://schemas.microsoft.com/office/infopath/2007/PartnerControls"/>
-    <ds:schemaRef ds:uri="71af3243-3dd4-4a8d-8c0d-dd76da1f02a5"/>
-  </ds:schemaRefs>
-</ds:datastoreItem>
+<file path=customXml/item2.xml><?xml version="1.0" encoding="utf-8"?>
+<?mso-contentType ?>
+<FormTemplates xmlns="http://schemas.microsoft.com/sharepoint/v3/contenttype/forms">
+  <Display>DocumentLibraryForm</Display>
+  <Edit>DocumentLibraryForm</Edit>
+  <New>DocumentLibraryForm</New>
+</FormTemplates>
 </file>
 
-<file path=customXml/itemProps2.xml><?xml version="1.0" encoding="utf-8"?>
-<ds:datastoreItem xmlns:ds="http://schemas.openxmlformats.org/officeDocument/2006/customXml" ds:itemID="{7EE8C63A-4744-4DE4-BB49-0FF0B5375C60}">
-  <ds:schemaRefs>
-    <ds:schemaRef ds:uri="http://schemas.microsoft.com/sharepoint/v3/contenttype/forms"/>
-  </ds:schemaRefs>
-</ds:datastoreItem>
+<file path=customXml/item3.xml><?xml version="1.0" encoding="utf-8"?>
+<p:properties xmlns:p="http://schemas.microsoft.com/office/2006/metadata/properties" xmlns:xsi="http://www.w3.org/2001/XMLSchema-instance" xmlns:pc="http://schemas.microsoft.com/office/infopath/2007/PartnerControls">
+  <documentManagement>
+    <Status xmlns="71af3243-3dd4-4a8d-8c0d-dd76da1f02a5">Not started</Status>
+    <MediaServiceKeyPoints xmlns="71af3243-3dd4-4a8d-8c0d-dd76da1f02a5" xsi:nil="true"/>
+  </documentManagement>
+</p:properties>
 </file>
 
-<file path=customXml/itemProps3.xml><?xml version="1.0" encoding="utf-8"?>
+<file path=customXml/itemProps1.xml><?xml version="1.0" encoding="utf-8"?>
 <ds:datastoreItem xmlns:ds="http://schemas.openxmlformats.org/officeDocument/2006/customXml" ds:itemID="{FD7FC771-7DFE-49DA-B577-71181BFBCB2E}">
   <ds:schemaRefs>
     <ds:schemaRef ds:uri="http://schemas.microsoft.com/office/2006/metadata/contentType"/>
@@ -4849,4 +5465,22 @@
     <ds:schemaRef ds:uri="http://schemas.microsoft.com/internal/obd"/>
   </ds:schemaRefs>
 </ds:datastoreItem>
+</file>
+
+<file path=customXml/itemProps2.xml><?xml version="1.0" encoding="utf-8"?>
+<ds:datastoreItem xmlns:ds="http://schemas.openxmlformats.org/officeDocument/2006/customXml" ds:itemID="{7EE8C63A-4744-4DE4-BB49-0FF0B5375C60}">
+  <ds:schemaRefs>
+    <ds:schemaRef ds:uri="http://schemas.microsoft.com/sharepoint/v3/contenttype/forms"/>
+  </ds:schemaRefs>
+</ds:datastoreItem>
+</file>
+
+<file path=customXml/itemProps3.xml><?xml version="1.0" encoding="utf-8"?>
+<ds:datastoreItem xmlns:ds="http://schemas.openxmlformats.org/officeDocument/2006/customXml" ds:itemID="{950072C5-DDE0-4258-BA7A-4D4B80DFA632}">
+  <ds:schemaRefs>
+    <ds:schemaRef ds:uri="http://schemas.microsoft.com/office/2006/metadata/properties"/>
+    <ds:schemaRef ds:uri="http://schemas.microsoft.com/office/infopath/2007/PartnerControls"/>
+    <ds:schemaRef ds:uri="71af3243-3dd4-4a8d-8c0d-dd76da1f02a5"/>
+  </ds:schemaRefs>
+</ds:datastoreItem>
 </file>